--- a/_Old_Materials/Templates/slide format.pptx
+++ b/_Old_Materials/Templates/slide format.pptx
@@ -5,7 +5,8 @@
     <p:sldMasterId id="2147483648" r:id="rId1"/>
   </p:sldMasterIdLst>
   <p:sldIdLst>
-    <p:sldId id="257" r:id="rId3"/>
+    <p:sldId id="257" r:id="rId2"/>
+    <p:sldId id="258" r:id="rId3"/>
   </p:sldIdLst>
   <p:sldSz cx="9144000" cy="6858000" type="screen4x3"/>
   <p:notesSz cx="6858000" cy="9144000"/>
@@ -104,11 +105,27 @@
       </a:defRPr>
     </a:lvl9pPr>
   </p:defaultTextStyle>
+  <p:extLst>
+    <p:ext uri="{EFAFB233-063F-42B5-8137-9DF3F51BA10A}">
+      <p15:sldGuideLst xmlns:p15="http://schemas.microsoft.com/office/powerpoint/2012/main">
+        <p15:guide id="1" orient="horz" pos="2160">
+          <p15:clr>
+            <a:srgbClr val="A4A3A4"/>
+          </p15:clr>
+        </p15:guide>
+        <p15:guide id="2" pos="2880">
+          <p15:clr>
+            <a:srgbClr val="A4A3A4"/>
+          </p15:clr>
+        </p15:guide>
+      </p15:sldGuideLst>
+    </p:ext>
+  </p:extLst>
 </p:presentation>
 </file>
 
 <file path=ppt/slideLayouts/slideLayout1.xml><?xml version="1.0" encoding="utf-8"?>
-<p:sldLayout xmlns:a="http://schemas.openxmlformats.org/drawingml/2006/main" xmlns:r="http://schemas.openxmlformats.org/officeDocument/2006/relationships" xmlns:p="http://schemas.openxmlformats.org/presentationml/2006/main" type="title" preserve="1">
+<p:sldLayout xmlns:a="http://schemas.openxmlformats.org/drawingml/2006/main" xmlns:r="http://schemas.openxmlformats.org/officeDocument/2006/relationships" xmlns:p="http://schemas.openxmlformats.org/presentationml/2006/main" showMasterSp="0" type="title" preserve="1">
   <p:cSld name="Title Slide">
     <p:spTree>
       <p:nvGrpSpPr>
@@ -288,6 +305,7 @@
           <a:p>
             <a:fld id="{9A678811-B549-45B3-81B1-47E6AC5F9402}" type="slidenum">
               <a:rPr lang="en-US" altLang="en-US"/>
+              <a:t>‹#›</a:t>
             </a:fld>
             <a:endParaRPr lang="en-US" altLang="en-US"/>
           </a:p>
@@ -302,7 +320,7 @@
 </file>
 
 <file path=ppt/slideLayouts/slideLayout10.xml><?xml version="1.0" encoding="utf-8"?>
-<p:sldLayout xmlns:a="http://schemas.openxmlformats.org/drawingml/2006/main" xmlns:r="http://schemas.openxmlformats.org/officeDocument/2006/relationships" xmlns:p="http://schemas.openxmlformats.org/presentationml/2006/main" type="picTx" preserve="1">
+<p:sldLayout xmlns:a="http://schemas.openxmlformats.org/drawingml/2006/main" xmlns:r="http://schemas.openxmlformats.org/officeDocument/2006/relationships" xmlns:p="http://schemas.openxmlformats.org/presentationml/2006/main" showMasterSp="0" type="picTx" preserve="1">
   <p:cSld name="Picture with Caption">
     <p:spTree>
       <p:nvGrpSpPr>
@@ -477,7 +495,6 @@
               <a:rPr lang="en-US" smtClean="0"/>
               <a:t>Click to edit Master text styles</a:t>
             </a:r>
-            <a:endParaRPr lang="en-US" smtClean="0"/>
           </a:p>
         </p:txBody>
       </p:sp>
@@ -548,6 +565,7 @@
           <a:p>
             <a:fld id="{214E7FEA-58E0-47EE-AC9C-F31BF7C9F7FE}" type="slidenum">
               <a:rPr lang="en-US" altLang="en-US"/>
+              <a:t>‹#›</a:t>
             </a:fld>
             <a:endParaRPr lang="en-US" altLang="en-US"/>
           </a:p>
@@ -562,7 +580,7 @@
 </file>
 
 <file path=ppt/slideLayouts/slideLayout11.xml><?xml version="1.0" encoding="utf-8"?>
-<p:sldLayout xmlns:a="http://schemas.openxmlformats.org/drawingml/2006/main" xmlns:r="http://schemas.openxmlformats.org/officeDocument/2006/relationships" xmlns:p="http://schemas.openxmlformats.org/presentationml/2006/main" type="vertTx" preserve="1">
+<p:sldLayout xmlns:a="http://schemas.openxmlformats.org/drawingml/2006/main" xmlns:r="http://schemas.openxmlformats.org/officeDocument/2006/relationships" xmlns:p="http://schemas.openxmlformats.org/presentationml/2006/main" showMasterSp="0" type="vertTx" preserve="1">
   <p:cSld name="Title and Vertical Text">
     <p:spTree>
       <p:nvGrpSpPr>
@@ -625,7 +643,6 @@
               <a:rPr lang="en-US" smtClean="0"/>
               <a:t>Click to edit Master text styles</a:t>
             </a:r>
-            <a:endParaRPr lang="en-US" smtClean="0"/>
           </a:p>
           <a:p>
             <a:pPr lvl="1"/>
@@ -633,7 +650,6 @@
               <a:rPr lang="en-US" smtClean="0"/>
               <a:t>Second level</a:t>
             </a:r>
-            <a:endParaRPr lang="en-US" smtClean="0"/>
           </a:p>
           <a:p>
             <a:pPr lvl="2"/>
@@ -641,7 +657,6 @@
               <a:rPr lang="en-US" smtClean="0"/>
               <a:t>Third level</a:t>
             </a:r>
-            <a:endParaRPr lang="en-US" smtClean="0"/>
           </a:p>
           <a:p>
             <a:pPr lvl="3"/>
@@ -649,7 +664,6 @@
               <a:rPr lang="en-US" smtClean="0"/>
               <a:t>Fourth level</a:t>
             </a:r>
-            <a:endParaRPr lang="en-US" smtClean="0"/>
           </a:p>
           <a:p>
             <a:pPr lvl="4"/>
@@ -728,6 +742,7 @@
           <a:p>
             <a:fld id="{20534EEE-6172-4E08-B0F7-A7F46A93D015}" type="slidenum">
               <a:rPr lang="en-US" altLang="en-US"/>
+              <a:t>‹#›</a:t>
             </a:fld>
             <a:endParaRPr lang="en-US" altLang="en-US"/>
           </a:p>
@@ -742,7 +757,7 @@
 </file>
 
 <file path=ppt/slideLayouts/slideLayout12.xml><?xml version="1.0" encoding="utf-8"?>
-<p:sldLayout xmlns:a="http://schemas.openxmlformats.org/drawingml/2006/main" xmlns:r="http://schemas.openxmlformats.org/officeDocument/2006/relationships" xmlns:p="http://schemas.openxmlformats.org/presentationml/2006/main" type="vertTitleAndTx" preserve="1">
+<p:sldLayout xmlns:a="http://schemas.openxmlformats.org/drawingml/2006/main" xmlns:r="http://schemas.openxmlformats.org/officeDocument/2006/relationships" xmlns:p="http://schemas.openxmlformats.org/presentationml/2006/main" showMasterSp="0" type="vertTitleAndTx" preserve="1">
   <p:cSld name="Vertical Title and Text">
     <p:spTree>
       <p:nvGrpSpPr>
@@ -811,7 +826,6 @@
               <a:rPr lang="en-US" smtClean="0"/>
               <a:t>Click to edit Master text styles</a:t>
             </a:r>
-            <a:endParaRPr lang="en-US" smtClean="0"/>
           </a:p>
           <a:p>
             <a:pPr lvl="1"/>
@@ -819,7 +833,6 @@
               <a:rPr lang="en-US" smtClean="0"/>
               <a:t>Second level</a:t>
             </a:r>
-            <a:endParaRPr lang="en-US" smtClean="0"/>
           </a:p>
           <a:p>
             <a:pPr lvl="2"/>
@@ -827,7 +840,6 @@
               <a:rPr lang="en-US" smtClean="0"/>
               <a:t>Third level</a:t>
             </a:r>
-            <a:endParaRPr lang="en-US" smtClean="0"/>
           </a:p>
           <a:p>
             <a:pPr lvl="3"/>
@@ -835,7 +847,6 @@
               <a:rPr lang="en-US" smtClean="0"/>
               <a:t>Fourth level</a:t>
             </a:r>
-            <a:endParaRPr lang="en-US" smtClean="0"/>
           </a:p>
           <a:p>
             <a:pPr lvl="4"/>
@@ -914,6 +925,7 @@
           <a:p>
             <a:fld id="{A56982BD-E878-4359-9BE2-EF98375094DE}" type="slidenum">
               <a:rPr lang="en-US" altLang="en-US"/>
+              <a:t>‹#›</a:t>
             </a:fld>
             <a:endParaRPr lang="en-US" altLang="en-US"/>
           </a:p>
@@ -928,7 +940,7 @@
 </file>
 
 <file path=ppt/slideLayouts/slideLayout13.xml><?xml version="1.0" encoding="utf-8"?>
-<p:sldLayout xmlns:a="http://schemas.openxmlformats.org/drawingml/2006/main" xmlns:r="http://schemas.openxmlformats.org/officeDocument/2006/relationships" xmlns:p="http://schemas.openxmlformats.org/presentationml/2006/main" userDrawn="1">
+<p:sldLayout xmlns:a="http://schemas.openxmlformats.org/drawingml/2006/main" xmlns:r="http://schemas.openxmlformats.org/officeDocument/2006/relationships" xmlns:p="http://schemas.openxmlformats.org/presentationml/2006/main" showMasterSp="0" userDrawn="1">
   <p:cSld name="1_Title and Content">
     <p:spTree>
       <p:nvGrpSpPr>
@@ -972,7 +984,6 @@
               <a:rPr lang="en-US" dirty="0" smtClean="0"/>
               <a:t>Click to edit Master text styles</a:t>
             </a:r>
-            <a:endParaRPr lang="en-US" dirty="0" smtClean="0"/>
           </a:p>
           <a:p>
             <a:pPr lvl="1"/>
@@ -980,7 +991,6 @@
               <a:rPr lang="en-US" dirty="0" smtClean="0"/>
               <a:t>Second level</a:t>
             </a:r>
-            <a:endParaRPr lang="en-US" dirty="0" smtClean="0"/>
           </a:p>
           <a:p>
             <a:pPr lvl="2"/>
@@ -988,7 +998,6 @@
               <a:rPr lang="en-US" dirty="0" smtClean="0"/>
               <a:t>Third level</a:t>
             </a:r>
-            <a:endParaRPr lang="en-US" dirty="0" smtClean="0"/>
           </a:p>
           <a:p>
             <a:pPr lvl="3"/>
@@ -996,7 +1005,6 @@
               <a:rPr lang="en-US" dirty="0" smtClean="0"/>
               <a:t>Fourth level</a:t>
             </a:r>
-            <a:endParaRPr lang="en-US" dirty="0" smtClean="0"/>
           </a:p>
           <a:p>
             <a:pPr lvl="4"/>
@@ -1033,6 +1041,7 @@
           <a:p>
             <a:fld id="{31E38928-F05B-4C42-9226-61EDCAAB8EFB}" type="datetime1">
               <a:rPr lang="en-US" smtClean="0"/>
+              <a:t>10/10/2019</a:t>
             </a:fld>
             <a:endParaRPr lang="en-US"/>
           </a:p>
@@ -1091,6 +1100,7 @@
             <a:pPr algn="r"/>
             <a:fld id="{D4C49B74-5DB2-4B03-B1D2-7F6A3C51C318}" type="slidenum">
               <a:rPr lang="en-US" smtClean="0"/>
+              <a:t>‹#›</a:t>
             </a:fld>
             <a:endParaRPr lang="en-US"/>
           </a:p>
@@ -1147,7 +1157,7 @@
 </file>
 
 <file path=ppt/slideLayouts/slideLayout14.xml><?xml version="1.0" encoding="utf-8"?>
-<p:sldLayout xmlns:a="http://schemas.openxmlformats.org/drawingml/2006/main" xmlns:r="http://schemas.openxmlformats.org/officeDocument/2006/relationships" xmlns:p="http://schemas.openxmlformats.org/presentationml/2006/main" preserve="1" userDrawn="1">
+<p:sldLayout xmlns:a="http://schemas.openxmlformats.org/drawingml/2006/main" xmlns:r="http://schemas.openxmlformats.org/officeDocument/2006/relationships" xmlns:p="http://schemas.openxmlformats.org/presentationml/2006/main" showMasterSp="0" preserve="1" userDrawn="1">
   <p:cSld name="2_Title and Content">
     <p:spTree>
       <p:nvGrpSpPr>
@@ -1191,7 +1201,6 @@
               <a:rPr lang="en-US" smtClean="0"/>
               <a:t>Click to edit Master text styles</a:t>
             </a:r>
-            <a:endParaRPr lang="en-US" smtClean="0"/>
           </a:p>
           <a:p>
             <a:pPr lvl="1"/>
@@ -1199,7 +1208,6 @@
               <a:rPr lang="en-US" smtClean="0"/>
               <a:t>Second level</a:t>
             </a:r>
-            <a:endParaRPr lang="en-US" smtClean="0"/>
           </a:p>
           <a:p>
             <a:pPr lvl="2"/>
@@ -1207,7 +1215,6 @@
               <a:rPr lang="en-US" smtClean="0"/>
               <a:t>Third level</a:t>
             </a:r>
-            <a:endParaRPr lang="en-US" smtClean="0"/>
           </a:p>
           <a:p>
             <a:pPr lvl="3"/>
@@ -1215,7 +1222,6 @@
               <a:rPr lang="en-US" smtClean="0"/>
               <a:t>Fourth level</a:t>
             </a:r>
-            <a:endParaRPr lang="en-US" smtClean="0"/>
           </a:p>
           <a:p>
             <a:pPr lvl="4"/>
@@ -1272,7 +1278,7 @@
 </file>
 
 <file path=ppt/slideLayouts/slideLayout15.xml><?xml version="1.0" encoding="utf-8"?>
-<p:sldLayout xmlns:a="http://schemas.openxmlformats.org/drawingml/2006/main" xmlns:r="http://schemas.openxmlformats.org/officeDocument/2006/relationships" xmlns:p="http://schemas.openxmlformats.org/presentationml/2006/main" preserve="1" userDrawn="1">
+<p:sldLayout xmlns:a="http://schemas.openxmlformats.org/drawingml/2006/main" xmlns:r="http://schemas.openxmlformats.org/officeDocument/2006/relationships" xmlns:p="http://schemas.openxmlformats.org/presentationml/2006/main" showMasterSp="0" preserve="1" userDrawn="1">
   <p:cSld name="1_Comparison">
     <p:spTree>
       <p:nvGrpSpPr>
@@ -1353,7 +1359,6 @@
               <a:rPr lang="en-US" smtClean="0"/>
               <a:t>Click to edit Master text styles</a:t>
             </a:r>
-            <a:endParaRPr lang="en-US" smtClean="0"/>
           </a:p>
         </p:txBody>
       </p:sp>
@@ -1385,7 +1390,6 @@
               <a:rPr lang="en-US" smtClean="0"/>
               <a:t>Click to edit Master text styles</a:t>
             </a:r>
-            <a:endParaRPr lang="en-US" smtClean="0"/>
           </a:p>
           <a:p>
             <a:pPr lvl="1"/>
@@ -1393,7 +1397,6 @@
               <a:rPr lang="en-US" smtClean="0"/>
               <a:t>Second level</a:t>
             </a:r>
-            <a:endParaRPr lang="en-US" smtClean="0"/>
           </a:p>
           <a:p>
             <a:pPr lvl="2"/>
@@ -1401,7 +1404,6 @@
               <a:rPr lang="en-US" smtClean="0"/>
               <a:t>Third level</a:t>
             </a:r>
-            <a:endParaRPr lang="en-US" smtClean="0"/>
           </a:p>
           <a:p>
             <a:pPr lvl="3"/>
@@ -1409,7 +1411,6 @@
               <a:rPr lang="en-US" smtClean="0"/>
               <a:t>Fourth level</a:t>
             </a:r>
-            <a:endParaRPr lang="en-US" smtClean="0"/>
           </a:p>
           <a:p>
             <a:pPr lvl="4"/>
@@ -1486,7 +1487,6 @@
               <a:rPr lang="en-US" smtClean="0"/>
               <a:t>Click to edit Master text styles</a:t>
             </a:r>
-            <a:endParaRPr lang="en-US" smtClean="0"/>
           </a:p>
         </p:txBody>
       </p:sp>
@@ -1518,7 +1518,6 @@
               <a:rPr lang="en-US" smtClean="0"/>
               <a:t>Click to edit Master text styles</a:t>
             </a:r>
-            <a:endParaRPr lang="en-US" smtClean="0"/>
           </a:p>
           <a:p>
             <a:pPr lvl="1"/>
@@ -1526,7 +1525,6 @@
               <a:rPr lang="en-US" smtClean="0"/>
               <a:t>Second level</a:t>
             </a:r>
-            <a:endParaRPr lang="en-US" smtClean="0"/>
           </a:p>
           <a:p>
             <a:pPr lvl="2"/>
@@ -1534,7 +1532,6 @@
               <a:rPr lang="en-US" smtClean="0"/>
               <a:t>Third level</a:t>
             </a:r>
-            <a:endParaRPr lang="en-US" smtClean="0"/>
           </a:p>
           <a:p>
             <a:pPr lvl="3"/>
@@ -1542,7 +1539,6 @@
               <a:rPr lang="en-US" smtClean="0"/>
               <a:t>Fourth level</a:t>
             </a:r>
-            <a:endParaRPr lang="en-US" smtClean="0"/>
           </a:p>
           <a:p>
             <a:pPr lvl="4"/>
@@ -1598,7 +1594,7 @@
 </file>
 
 <file path=ppt/slideLayouts/slideLayout16.xml><?xml version="1.0" encoding="utf-8"?>
-<p:sldLayout xmlns:a="http://schemas.openxmlformats.org/drawingml/2006/main" xmlns:r="http://schemas.openxmlformats.org/officeDocument/2006/relationships" xmlns:p="http://schemas.openxmlformats.org/presentationml/2006/main" preserve="1" userDrawn="1">
+<p:sldLayout xmlns:a="http://schemas.openxmlformats.org/drawingml/2006/main" xmlns:r="http://schemas.openxmlformats.org/officeDocument/2006/relationships" xmlns:p="http://schemas.openxmlformats.org/presentationml/2006/main" showMasterSp="0" preserve="1" userDrawn="1">
   <p:cSld name="1_Title Only">
     <p:spTree>
       <p:nvGrpSpPr>
@@ -1658,7 +1654,7 @@
 </file>
 
 <file path=ppt/slideLayouts/slideLayout17.xml><?xml version="1.0" encoding="utf-8"?>
-<p:sldLayout xmlns:a="http://schemas.openxmlformats.org/drawingml/2006/main" xmlns:r="http://schemas.openxmlformats.org/officeDocument/2006/relationships" xmlns:p="http://schemas.openxmlformats.org/presentationml/2006/main" preserve="1" userDrawn="1">
+<p:sldLayout xmlns:a="http://schemas.openxmlformats.org/drawingml/2006/main" xmlns:r="http://schemas.openxmlformats.org/officeDocument/2006/relationships" xmlns:p="http://schemas.openxmlformats.org/presentationml/2006/main" showMasterSp="0" preserve="1" userDrawn="1">
   <p:cSld name="1_Title and Vertical Text">
     <p:spTree>
       <p:nvGrpSpPr>
@@ -1702,7 +1698,6 @@
               <a:rPr lang="en-US" smtClean="0"/>
               <a:t>Click to edit Master text styles</a:t>
             </a:r>
-            <a:endParaRPr lang="en-US" smtClean="0"/>
           </a:p>
           <a:p>
             <a:pPr lvl="1"/>
@@ -1710,7 +1705,6 @@
               <a:rPr lang="en-US" smtClean="0"/>
               <a:t>Second level</a:t>
             </a:r>
-            <a:endParaRPr lang="en-US" smtClean="0"/>
           </a:p>
           <a:p>
             <a:pPr lvl="2"/>
@@ -1718,7 +1712,6 @@
               <a:rPr lang="en-US" smtClean="0"/>
               <a:t>Third level</a:t>
             </a:r>
-            <a:endParaRPr lang="en-US" smtClean="0"/>
           </a:p>
           <a:p>
             <a:pPr lvl="3"/>
@@ -1726,7 +1719,6 @@
               <a:rPr lang="en-US" smtClean="0"/>
               <a:t>Fourth level</a:t>
             </a:r>
-            <a:endParaRPr lang="en-US" smtClean="0"/>
           </a:p>
           <a:p>
             <a:pPr lvl="4"/>
@@ -1782,7 +1774,7 @@
 </file>
 
 <file path=ppt/slideLayouts/slideLayout2.xml><?xml version="1.0" encoding="utf-8"?>
-<p:sldLayout xmlns:a="http://schemas.openxmlformats.org/drawingml/2006/main" xmlns:r="http://schemas.openxmlformats.org/officeDocument/2006/relationships" xmlns:p="http://schemas.openxmlformats.org/presentationml/2006/main" type="obj" preserve="1">
+<p:sldLayout xmlns:a="http://schemas.openxmlformats.org/drawingml/2006/main" xmlns:r="http://schemas.openxmlformats.org/officeDocument/2006/relationships" xmlns:p="http://schemas.openxmlformats.org/presentationml/2006/main" showMasterSp="0" type="obj" preserve="1">
   <p:cSld name="Title and Content">
     <p:spTree>
       <p:nvGrpSpPr>
@@ -1841,7 +1833,6 @@
               <a:rPr lang="en-US" smtClean="0"/>
               <a:t>Click to edit Master text styles</a:t>
             </a:r>
-            <a:endParaRPr lang="en-US" smtClean="0"/>
           </a:p>
           <a:p>
             <a:pPr lvl="1"/>
@@ -1849,7 +1840,6 @@
               <a:rPr lang="en-US" smtClean="0"/>
               <a:t>Second level</a:t>
             </a:r>
-            <a:endParaRPr lang="en-US" smtClean="0"/>
           </a:p>
           <a:p>
             <a:pPr lvl="2"/>
@@ -1857,7 +1847,6 @@
               <a:rPr lang="en-US" smtClean="0"/>
               <a:t>Third level</a:t>
             </a:r>
-            <a:endParaRPr lang="en-US" smtClean="0"/>
           </a:p>
           <a:p>
             <a:pPr lvl="3"/>
@@ -1865,7 +1854,6 @@
               <a:rPr lang="en-US" smtClean="0"/>
               <a:t>Fourth level</a:t>
             </a:r>
-            <a:endParaRPr lang="en-US" smtClean="0"/>
           </a:p>
           <a:p>
             <a:pPr lvl="4"/>
@@ -1944,6 +1932,7 @@
           <a:p>
             <a:fld id="{3086ADDC-2EE6-42FF-AE85-54D774CE032E}" type="slidenum">
               <a:rPr lang="en-US" altLang="en-US"/>
+              <a:t>‹#›</a:t>
             </a:fld>
             <a:endParaRPr lang="en-US" altLang="en-US"/>
           </a:p>
@@ -1959,7 +1948,7 @@
 </file>
 
 <file path=ppt/slideLayouts/slideLayout3.xml><?xml version="1.0" encoding="utf-8"?>
-<p:sldLayout xmlns:a="http://schemas.openxmlformats.org/drawingml/2006/main" xmlns:r="http://schemas.openxmlformats.org/officeDocument/2006/relationships" xmlns:p="http://schemas.openxmlformats.org/presentationml/2006/main" preserve="1" userDrawn="1">
+<p:sldLayout xmlns:a="http://schemas.openxmlformats.org/drawingml/2006/main" xmlns:r="http://schemas.openxmlformats.org/officeDocument/2006/relationships" xmlns:p="http://schemas.openxmlformats.org/presentationml/2006/main" showMasterSp="0" preserve="1" userDrawn="1">
   <p:cSld name="3_Title and Content">
     <p:spTree>
       <p:nvGrpSpPr>
@@ -2023,7 +2012,6 @@
               <a:rPr lang="en-US" dirty="0" smtClean="0"/>
               <a:t>Click to edit Master text styles</a:t>
             </a:r>
-            <a:endParaRPr lang="en-US" dirty="0" smtClean="0"/>
           </a:p>
           <a:p>
             <a:pPr lvl="1"/>
@@ -2031,7 +2019,6 @@
               <a:rPr lang="en-US" dirty="0" smtClean="0"/>
               <a:t>Second level</a:t>
             </a:r>
-            <a:endParaRPr lang="en-US" dirty="0" smtClean="0"/>
           </a:p>
           <a:p>
             <a:pPr lvl="2"/>
@@ -2039,7 +2026,6 @@
               <a:rPr lang="en-US" dirty="0" smtClean="0"/>
               <a:t>Third level</a:t>
             </a:r>
-            <a:endParaRPr lang="en-US" dirty="0" smtClean="0"/>
           </a:p>
           <a:p>
             <a:pPr lvl="3"/>
@@ -2047,7 +2033,6 @@
               <a:rPr lang="en-US" dirty="0" smtClean="0"/>
               <a:t>Fourth level</a:t>
             </a:r>
-            <a:endParaRPr lang="en-US" dirty="0" smtClean="0"/>
           </a:p>
           <a:p>
             <a:pPr lvl="4"/>
@@ -2126,6 +2111,7 @@
           <a:p>
             <a:fld id="{3086ADDC-2EE6-42FF-AE85-54D774CE032E}" type="slidenum">
               <a:rPr lang="en-US" altLang="en-US"/>
+              <a:t>‹#›</a:t>
             </a:fld>
             <a:endParaRPr lang="en-US" altLang="en-US"/>
           </a:p>
@@ -2156,7 +2142,6 @@
               <a:rPr lang="en-US" dirty="0" smtClean="0"/>
               <a:t>Click to edit Master text styles</a:t>
             </a:r>
-            <a:endParaRPr lang="en-US" dirty="0" smtClean="0"/>
           </a:p>
           <a:p>
             <a:pPr lvl="1"/>
@@ -2164,7 +2149,6 @@
               <a:rPr lang="en-US" dirty="0" smtClean="0"/>
               <a:t>Second level</a:t>
             </a:r>
-            <a:endParaRPr lang="en-US" dirty="0" smtClean="0"/>
           </a:p>
           <a:p>
             <a:pPr lvl="2"/>
@@ -2172,7 +2156,6 @@
               <a:rPr lang="en-US" dirty="0" smtClean="0"/>
               <a:t>Third level</a:t>
             </a:r>
-            <a:endParaRPr lang="en-US" dirty="0" smtClean="0"/>
           </a:p>
           <a:p>
             <a:pPr lvl="3"/>
@@ -2180,7 +2163,6 @@
               <a:rPr lang="en-US" dirty="0" smtClean="0"/>
               <a:t>Fourth level</a:t>
             </a:r>
-            <a:endParaRPr lang="en-US" dirty="0" smtClean="0"/>
           </a:p>
           <a:p>
             <a:pPr lvl="4"/>
@@ -2217,7 +2199,6 @@
               <a:rPr lang="en-US" dirty="0" smtClean="0"/>
               <a:t>Click to edit Master text styles</a:t>
             </a:r>
-            <a:endParaRPr lang="en-US" dirty="0" smtClean="0"/>
           </a:p>
           <a:p>
             <a:pPr lvl="1"/>
@@ -2225,7 +2206,6 @@
               <a:rPr lang="en-US" dirty="0" smtClean="0"/>
               <a:t>Second level</a:t>
             </a:r>
-            <a:endParaRPr lang="en-US" dirty="0" smtClean="0"/>
           </a:p>
           <a:p>
             <a:pPr lvl="2"/>
@@ -2233,7 +2213,6 @@
               <a:rPr lang="en-US" dirty="0" smtClean="0"/>
               <a:t>Third level</a:t>
             </a:r>
-            <a:endParaRPr lang="en-US" dirty="0" smtClean="0"/>
           </a:p>
           <a:p>
             <a:pPr lvl="3"/>
@@ -2241,7 +2220,6 @@
               <a:rPr lang="en-US" dirty="0" smtClean="0"/>
               <a:t>Fourth level</a:t>
             </a:r>
-            <a:endParaRPr lang="en-US" dirty="0" smtClean="0"/>
           </a:p>
           <a:p>
             <a:pPr lvl="4"/>
@@ -2263,7 +2241,7 @@
 </file>
 
 <file path=ppt/slideLayouts/slideLayout4.xml><?xml version="1.0" encoding="utf-8"?>
-<p:sldLayout xmlns:a="http://schemas.openxmlformats.org/drawingml/2006/main" xmlns:r="http://schemas.openxmlformats.org/officeDocument/2006/relationships" xmlns:p="http://schemas.openxmlformats.org/presentationml/2006/main" type="secHead" preserve="1">
+<p:sldLayout xmlns:a="http://schemas.openxmlformats.org/drawingml/2006/main" xmlns:r="http://schemas.openxmlformats.org/officeDocument/2006/relationships" xmlns:p="http://schemas.openxmlformats.org/presentationml/2006/main" showMasterSp="0" type="secHead" preserve="1">
   <p:cSld name="Section Header">
     <p:spTree>
       <p:nvGrpSpPr>
@@ -2373,7 +2351,6 @@
               <a:rPr lang="en-US" smtClean="0"/>
               <a:t>Click to edit Master text styles</a:t>
             </a:r>
-            <a:endParaRPr lang="en-US" smtClean="0"/>
           </a:p>
         </p:txBody>
       </p:sp>
@@ -2444,6 +2421,7 @@
           <a:p>
             <a:fld id="{62FBF8E4-576C-4900-8131-5FBCD47137B3}" type="slidenum">
               <a:rPr lang="en-US" altLang="en-US"/>
+              <a:t>‹#›</a:t>
             </a:fld>
             <a:endParaRPr lang="en-US" altLang="en-US"/>
           </a:p>
@@ -2458,7 +2436,7 @@
 </file>
 
 <file path=ppt/slideLayouts/slideLayout5.xml><?xml version="1.0" encoding="utf-8"?>
-<p:sldLayout xmlns:a="http://schemas.openxmlformats.org/drawingml/2006/main" xmlns:r="http://schemas.openxmlformats.org/officeDocument/2006/relationships" xmlns:p="http://schemas.openxmlformats.org/presentationml/2006/main" type="twoObj" preserve="1">
+<p:sldLayout xmlns:a="http://schemas.openxmlformats.org/drawingml/2006/main" xmlns:r="http://schemas.openxmlformats.org/officeDocument/2006/relationships" xmlns:p="http://schemas.openxmlformats.org/presentationml/2006/main" showMasterSp="0" type="twoObj" preserve="1">
   <p:cSld name="Two Content">
     <p:spTree>
       <p:nvGrpSpPr>
@@ -2522,7 +2500,6 @@
               <a:rPr lang="en-US" dirty="0" smtClean="0"/>
               <a:t>Click to edit Master text styles</a:t>
             </a:r>
-            <a:endParaRPr lang="en-US" dirty="0" smtClean="0"/>
           </a:p>
           <a:p>
             <a:pPr lvl="1"/>
@@ -2530,7 +2507,6 @@
               <a:rPr lang="en-US" dirty="0" smtClean="0"/>
               <a:t>Second level</a:t>
             </a:r>
-            <a:endParaRPr lang="en-US" dirty="0" smtClean="0"/>
           </a:p>
           <a:p>
             <a:pPr lvl="2"/>
@@ -2538,7 +2514,6 @@
               <a:rPr lang="en-US" dirty="0" smtClean="0"/>
               <a:t>Third level</a:t>
             </a:r>
-            <a:endParaRPr lang="en-US" dirty="0" smtClean="0"/>
           </a:p>
           <a:p>
             <a:pPr lvl="3"/>
@@ -2546,7 +2521,6 @@
               <a:rPr lang="en-US" dirty="0" smtClean="0"/>
               <a:t>Fourth level</a:t>
             </a:r>
-            <a:endParaRPr lang="en-US" dirty="0" smtClean="0"/>
           </a:p>
           <a:p>
             <a:pPr lvl="4"/>
@@ -2583,7 +2557,6 @@
               <a:rPr lang="en-US" dirty="0" smtClean="0"/>
               <a:t>Click to edit Master text styles</a:t>
             </a:r>
-            <a:endParaRPr lang="en-US" dirty="0" smtClean="0"/>
           </a:p>
           <a:p>
             <a:pPr lvl="1"/>
@@ -2591,7 +2564,6 @@
               <a:rPr lang="en-US" dirty="0" smtClean="0"/>
               <a:t>Second level</a:t>
             </a:r>
-            <a:endParaRPr lang="en-US" dirty="0" smtClean="0"/>
           </a:p>
           <a:p>
             <a:pPr lvl="2"/>
@@ -2599,7 +2571,6 @@
               <a:rPr lang="en-US" dirty="0" smtClean="0"/>
               <a:t>Third level</a:t>
             </a:r>
-            <a:endParaRPr lang="en-US" dirty="0" smtClean="0"/>
           </a:p>
           <a:p>
             <a:pPr lvl="3"/>
@@ -2607,7 +2578,6 @@
               <a:rPr lang="en-US" dirty="0" smtClean="0"/>
               <a:t>Fourth level</a:t>
             </a:r>
-            <a:endParaRPr lang="en-US" dirty="0" smtClean="0"/>
           </a:p>
           <a:p>
             <a:pPr lvl="4"/>
@@ -2686,6 +2656,7 @@
           <a:p>
             <a:fld id="{524673CD-E789-4B99-849D-7D1DEE88FD01}" type="slidenum">
               <a:rPr lang="en-US" altLang="en-US"/>
+              <a:t>‹#›</a:t>
             </a:fld>
             <a:endParaRPr lang="en-US" altLang="en-US"/>
           </a:p>
@@ -2700,7 +2671,7 @@
 </file>
 
 <file path=ppt/slideLayouts/slideLayout6.xml><?xml version="1.0" encoding="utf-8"?>
-<p:sldLayout xmlns:a="http://schemas.openxmlformats.org/drawingml/2006/main" xmlns:r="http://schemas.openxmlformats.org/officeDocument/2006/relationships" xmlns:p="http://schemas.openxmlformats.org/presentationml/2006/main" type="twoTxTwoObj" preserve="1">
+<p:sldLayout xmlns:a="http://schemas.openxmlformats.org/drawingml/2006/main" xmlns:r="http://schemas.openxmlformats.org/officeDocument/2006/relationships" xmlns:p="http://schemas.openxmlformats.org/presentationml/2006/main" showMasterSp="0" type="twoTxTwoObj" preserve="1">
   <p:cSld name="Comparison">
     <p:spTree>
       <p:nvGrpSpPr>
@@ -2806,7 +2777,6 @@
               <a:rPr lang="en-US" smtClean="0"/>
               <a:t>Click to edit Master text styles</a:t>
             </a:r>
-            <a:endParaRPr lang="en-US" smtClean="0"/>
           </a:p>
         </p:txBody>
       </p:sp>
@@ -2835,7 +2805,6 @@
               <a:rPr lang="en-US" smtClean="0"/>
               <a:t>Click to edit Master text styles</a:t>
             </a:r>
-            <a:endParaRPr lang="en-US" smtClean="0"/>
           </a:p>
           <a:p>
             <a:pPr lvl="1"/>
@@ -2843,7 +2812,6 @@
               <a:rPr lang="en-US" smtClean="0"/>
               <a:t>Second level</a:t>
             </a:r>
-            <a:endParaRPr lang="en-US" smtClean="0"/>
           </a:p>
           <a:p>
             <a:pPr lvl="2"/>
@@ -2851,7 +2819,6 @@
               <a:rPr lang="en-US" smtClean="0"/>
               <a:t>Third level</a:t>
             </a:r>
-            <a:endParaRPr lang="en-US" smtClean="0"/>
           </a:p>
           <a:p>
             <a:pPr lvl="3"/>
@@ -2859,7 +2826,6 @@
               <a:rPr lang="en-US" smtClean="0"/>
               <a:t>Fourth level</a:t>
             </a:r>
-            <a:endParaRPr lang="en-US" smtClean="0"/>
           </a:p>
           <a:p>
             <a:pPr lvl="4"/>
@@ -2933,7 +2899,6 @@
               <a:rPr lang="en-US" smtClean="0"/>
               <a:t>Click to edit Master text styles</a:t>
             </a:r>
-            <a:endParaRPr lang="en-US" smtClean="0"/>
           </a:p>
         </p:txBody>
       </p:sp>
@@ -2962,7 +2927,6 @@
               <a:rPr lang="en-US" smtClean="0"/>
               <a:t>Click to edit Master text styles</a:t>
             </a:r>
-            <a:endParaRPr lang="en-US" smtClean="0"/>
           </a:p>
           <a:p>
             <a:pPr lvl="1"/>
@@ -2970,7 +2934,6 @@
               <a:rPr lang="en-US" smtClean="0"/>
               <a:t>Second level</a:t>
             </a:r>
-            <a:endParaRPr lang="en-US" smtClean="0"/>
           </a:p>
           <a:p>
             <a:pPr lvl="2"/>
@@ -2978,7 +2941,6 @@
               <a:rPr lang="en-US" smtClean="0"/>
               <a:t>Third level</a:t>
             </a:r>
-            <a:endParaRPr lang="en-US" smtClean="0"/>
           </a:p>
           <a:p>
             <a:pPr lvl="3"/>
@@ -2986,7 +2948,6 @@
               <a:rPr lang="en-US" smtClean="0"/>
               <a:t>Fourth level</a:t>
             </a:r>
-            <a:endParaRPr lang="en-US" smtClean="0"/>
           </a:p>
           <a:p>
             <a:pPr lvl="4"/>
@@ -3065,6 +3026,7 @@
           <a:p>
             <a:fld id="{7B82C466-627A-4535-934D-F77F4C647A2A}" type="slidenum">
               <a:rPr lang="en-US" altLang="en-US"/>
+              <a:t>‹#›</a:t>
             </a:fld>
             <a:endParaRPr lang="en-US" altLang="en-US"/>
           </a:p>
@@ -3079,7 +3041,7 @@
 </file>
 
 <file path=ppt/slideLayouts/slideLayout7.xml><?xml version="1.0" encoding="utf-8"?>
-<p:sldLayout xmlns:a="http://schemas.openxmlformats.org/drawingml/2006/main" xmlns:r="http://schemas.openxmlformats.org/officeDocument/2006/relationships" xmlns:p="http://schemas.openxmlformats.org/presentationml/2006/main" type="titleOnly" preserve="1">
+<p:sldLayout xmlns:a="http://schemas.openxmlformats.org/drawingml/2006/main" xmlns:r="http://schemas.openxmlformats.org/officeDocument/2006/relationships" xmlns:p="http://schemas.openxmlformats.org/presentationml/2006/main" showMasterSp="0" type="titleOnly" preserve="1">
   <p:cSld name="Title Only">
     <p:spTree>
       <p:nvGrpSpPr>
@@ -3185,6 +3147,7 @@
           <a:p>
             <a:fld id="{F559B138-3910-4CB2-9145-1068E3B9E07E}" type="slidenum">
               <a:rPr lang="en-US" altLang="en-US"/>
+              <a:t>‹#›</a:t>
             </a:fld>
             <a:endParaRPr lang="en-US" altLang="en-US"/>
           </a:p>
@@ -3199,7 +3162,7 @@
 </file>
 
 <file path=ppt/slideLayouts/slideLayout8.xml><?xml version="1.0" encoding="utf-8"?>
-<p:sldLayout xmlns:a="http://schemas.openxmlformats.org/drawingml/2006/main" xmlns:r="http://schemas.openxmlformats.org/officeDocument/2006/relationships" xmlns:p="http://schemas.openxmlformats.org/presentationml/2006/main" type="blank" preserve="1">
+<p:sldLayout xmlns:a="http://schemas.openxmlformats.org/drawingml/2006/main" xmlns:r="http://schemas.openxmlformats.org/officeDocument/2006/relationships" xmlns:p="http://schemas.openxmlformats.org/presentationml/2006/main" showMasterSp="0" type="blank" preserve="1">
   <p:cSld name="Blank">
     <p:spTree>
       <p:nvGrpSpPr>
@@ -3282,6 +3245,7 @@
           <a:p>
             <a:fld id="{909E207A-2206-4F55-86B7-C4BA7E6C4B55}" type="slidenum">
               <a:rPr lang="en-US" altLang="en-US"/>
+              <a:t>‹#›</a:t>
             </a:fld>
             <a:endParaRPr lang="en-US" altLang="en-US"/>
           </a:p>
@@ -3296,7 +3260,7 @@
 </file>
 
 <file path=ppt/slideLayouts/slideLayout9.xml><?xml version="1.0" encoding="utf-8"?>
-<p:sldLayout xmlns:a="http://schemas.openxmlformats.org/drawingml/2006/main" xmlns:r="http://schemas.openxmlformats.org/officeDocument/2006/relationships" xmlns:p="http://schemas.openxmlformats.org/presentationml/2006/main" type="objTx" preserve="1">
+<p:sldLayout xmlns:a="http://schemas.openxmlformats.org/drawingml/2006/main" xmlns:r="http://schemas.openxmlformats.org/officeDocument/2006/relationships" xmlns:p="http://schemas.openxmlformats.org/presentationml/2006/main" showMasterSp="0" type="objTx" preserve="1">
   <p:cSld name="Content with Caption">
     <p:spTree>
       <p:nvGrpSpPr>
@@ -3397,7 +3361,6 @@
               <a:rPr lang="en-US" smtClean="0"/>
               <a:t>Click to edit Master text styles</a:t>
             </a:r>
-            <a:endParaRPr lang="en-US" smtClean="0"/>
           </a:p>
           <a:p>
             <a:pPr lvl="1"/>
@@ -3405,7 +3368,6 @@
               <a:rPr lang="en-US" smtClean="0"/>
               <a:t>Second level</a:t>
             </a:r>
-            <a:endParaRPr lang="en-US" smtClean="0"/>
           </a:p>
           <a:p>
             <a:pPr lvl="2"/>
@@ -3413,7 +3375,6 @@
               <a:rPr lang="en-US" smtClean="0"/>
               <a:t>Third level</a:t>
             </a:r>
-            <a:endParaRPr lang="en-US" smtClean="0"/>
           </a:p>
           <a:p>
             <a:pPr lvl="3"/>
@@ -3421,7 +3382,6 @@
               <a:rPr lang="en-US" smtClean="0"/>
               <a:t>Fourth level</a:t>
             </a:r>
-            <a:endParaRPr lang="en-US" smtClean="0"/>
           </a:p>
           <a:p>
             <a:pPr lvl="4"/>
@@ -3495,7 +3455,6 @@
               <a:rPr lang="en-US" smtClean="0"/>
               <a:t>Click to edit Master text styles</a:t>
             </a:r>
-            <a:endParaRPr lang="en-US" smtClean="0"/>
           </a:p>
         </p:txBody>
       </p:sp>
@@ -3566,6 +3525,7 @@
           <a:p>
             <a:fld id="{9F7BB258-1CFF-4F4F-8C27-AD1703630852}" type="slidenum">
               <a:rPr lang="en-US" altLang="en-US"/>
+              <a:t>‹#›</a:t>
             </a:fld>
             <a:endParaRPr lang="en-US" altLang="en-US"/>
           </a:p>
@@ -3584,9 +3544,15 @@
   <p:cSld>
     <p:bg>
       <p:bgPr>
-        <a:solidFill>
-          <a:schemeClr val="bg1"/>
-        </a:solidFill>
+        <a:blipFill dpi="0" rotWithShape="1">
+          <a:blip r:embed="rId19">
+            <a:lum/>
+          </a:blip>
+          <a:srcRect/>
+          <a:stretch>
+            <a:fillRect t="-3000" b="-3000"/>
+          </a:stretch>
+        </a:blipFill>
         <a:effectLst/>
       </p:bgPr>
     </p:bg>
@@ -3613,7 +3579,7 @@
           <p:nvPr/>
         </p:nvPicPr>
         <p:blipFill>
-          <a:blip r:embed="rId18">
+          <a:blip r:embed="rId20">
             <a:extLst>
               <a:ext uri="{28A0092B-C50C-407E-A947-70E740481C1C}">
                 <a14:useLocalDpi xmlns:a14="http://schemas.microsoft.com/office/drawing/2010/main" val="0"/>
@@ -3706,7 +3672,6 @@
               <a:rPr lang="en-US" altLang="en-US" smtClean="0"/>
               <a:t>Click to edit Master title style</a:t>
             </a:r>
-            <a:endParaRPr lang="en-US" altLang="en-US" smtClean="0"/>
           </a:p>
         </p:txBody>
       </p:sp>
@@ -3771,7 +3736,6 @@
               <a:rPr lang="en-US" altLang="en-US" smtClean="0"/>
               <a:t>Click to edit Master text styles</a:t>
             </a:r>
-            <a:endParaRPr lang="en-US" altLang="en-US" smtClean="0"/>
           </a:p>
           <a:p>
             <a:pPr lvl="1"/>
@@ -3779,7 +3743,6 @@
               <a:rPr lang="en-US" altLang="en-US" smtClean="0"/>
               <a:t>Second level</a:t>
             </a:r>
-            <a:endParaRPr lang="en-US" altLang="en-US" smtClean="0"/>
           </a:p>
           <a:p>
             <a:pPr lvl="2"/>
@@ -3787,7 +3750,6 @@
               <a:rPr lang="en-US" altLang="en-US" smtClean="0"/>
               <a:t>Third level</a:t>
             </a:r>
-            <a:endParaRPr lang="en-US" altLang="en-US" smtClean="0"/>
           </a:p>
           <a:p>
             <a:pPr lvl="3"/>
@@ -3795,7 +3757,6 @@
               <a:rPr lang="en-US" altLang="en-US" smtClean="0"/>
               <a:t>Fourth level</a:t>
             </a:r>
-            <a:endParaRPr lang="en-US" altLang="en-US" smtClean="0"/>
           </a:p>
           <a:p>
             <a:pPr lvl="4"/>
@@ -3803,7 +3764,6 @@
               <a:rPr lang="en-US" altLang="en-US" smtClean="0"/>
               <a:t>Fifth level</a:t>
             </a:r>
-            <a:endParaRPr lang="en-US" altLang="en-US" smtClean="0"/>
           </a:p>
         </p:txBody>
       </p:sp>
@@ -3997,6 +3957,7 @@
           <a:p>
             <a:fld id="{7FAD312C-826E-40DC-8EA2-9106566C605C}" type="slidenum">
               <a:rPr lang="en-US" altLang="en-US"/>
+              <a:t>‹#›</a:t>
             </a:fld>
             <a:endParaRPr lang="en-US" altLang="en-US"/>
           </a:p>
@@ -4415,7 +4376,107 @@
 </file>
 
 <file path=ppt/slides/slide1.xml><?xml version="1.0" encoding="utf-8"?>
-<p:sld xmlns:a="http://schemas.openxmlformats.org/drawingml/2006/main" xmlns:r="http://schemas.openxmlformats.org/officeDocument/2006/relationships" xmlns:p="http://schemas.openxmlformats.org/presentationml/2006/main">
+<p:sld xmlns:a="http://schemas.openxmlformats.org/drawingml/2006/main" xmlns:r="http://schemas.openxmlformats.org/officeDocument/2006/relationships" xmlns:p="http://schemas.openxmlformats.org/presentationml/2006/main" showMasterSp="0">
+  <p:cSld>
+    <p:bg>
+      <p:bgPr>
+        <a:blipFill dpi="0" rotWithShape="1">
+          <a:blip r:embed="rId2">
+            <a:lum/>
+          </a:blip>
+          <a:srcRect/>
+          <a:stretch>
+            <a:fillRect t="-3000" b="-3000"/>
+          </a:stretch>
+        </a:blipFill>
+        <a:effectLst/>
+      </p:bgPr>
+    </p:bg>
+    <p:spTree>
+      <p:nvGrpSpPr>
+        <p:cNvPr id="1" name=""/>
+        <p:cNvGrpSpPr/>
+        <p:nvPr/>
+      </p:nvGrpSpPr>
+      <p:grpSpPr>
+        <a:xfrm>
+          <a:off x="0" y="0"/>
+          <a:ext cx="0" cy="0"/>
+          <a:chOff x="0" y="0"/>
+          <a:chExt cx="0" cy="0"/>
+        </a:xfrm>
+      </p:grpSpPr>
+      <p:sp>
+        <p:nvSpPr>
+          <p:cNvPr id="2" name="Title 1"/>
+          <p:cNvSpPr>
+            <a:spLocks noGrp="1"/>
+          </p:cNvSpPr>
+          <p:nvPr>
+            <p:ph type="title"/>
+          </p:nvPr>
+        </p:nvSpPr>
+        <p:spPr>
+          <a:xfrm>
+            <a:off x="554355" y="287020"/>
+            <a:ext cx="7772400" cy="1143000"/>
+          </a:xfrm>
+        </p:spPr>
+        <p:txBody>
+          <a:bodyPr/>
+          <a:lstStyle/>
+          <a:p>
+            <a:endParaRPr lang="en-IN" sz="2800" dirty="0">
+              <a:latin typeface="Noto Serif CJK JP" panose="02020400000000000000" charset="-122"/>
+              <a:ea typeface="Noto Serif CJK JP" panose="02020400000000000000" charset="-122"/>
+            </a:endParaRPr>
+          </a:p>
+        </p:txBody>
+      </p:sp>
+      <p:sp>
+        <p:nvSpPr>
+          <p:cNvPr id="3" name="Content Placeholder 2"/>
+          <p:cNvSpPr>
+            <a:spLocks noGrp="1"/>
+          </p:cNvSpPr>
+          <p:nvPr>
+            <p:ph idx="1"/>
+          </p:nvPr>
+        </p:nvSpPr>
+        <p:spPr>
+          <a:xfrm>
+            <a:off x="755576" y="1772816"/>
+            <a:ext cx="7772400" cy="4832176"/>
+          </a:xfrm>
+        </p:spPr>
+        <p:txBody>
+          <a:bodyPr/>
+          <a:lstStyle/>
+          <a:p>
+            <a:endParaRPr lang="en-IN" sz="2800" dirty="0" smtClean="0"/>
+          </a:p>
+          <a:p>
+            <a:endParaRPr lang="en-IN" sz="2800" dirty="0"/>
+          </a:p>
+        </p:txBody>
+      </p:sp>
+    </p:spTree>
+  </p:cSld>
+  <p:clrMapOvr>
+    <a:masterClrMapping/>
+  </p:clrMapOvr>
+  <p:timing>
+    <p:tnLst>
+      <p:par>
+        <p:cTn id="1" dur="indefinite" restart="never" nodeType="tmRoot"/>
+      </p:par>
+    </p:tnLst>
+  </p:timing>
+</p:sld>
+</file>
+
+<file path=ppt/slides/slide2.xml><?xml version="1.0" encoding="utf-8"?>
+<p:sld xmlns:a="http://schemas.openxmlformats.org/drawingml/2006/main" xmlns:r="http://schemas.openxmlformats.org/officeDocument/2006/relationships" xmlns:p="http://schemas.openxmlformats.org/presentationml/2006/main" showMasterSp="0">
   <p:cSld>
     <p:spTree>
       <p:nvGrpSpPr>
@@ -4441,20 +4502,12 @@
             <p:ph type="title"/>
           </p:nvPr>
         </p:nvSpPr>
-        <p:spPr>
-          <a:xfrm>
-            <a:off x="554355" y="287020"/>
-            <a:ext cx="7772400" cy="1143000"/>
-          </a:xfrm>
-        </p:spPr>
+        <p:spPr/>
         <p:txBody>
           <a:bodyPr/>
           <a:lstStyle/>
           <a:p>
-            <a:endParaRPr lang="en-IN" sz="2800" dirty="0">
-              <a:latin typeface="Noto Serif CJK JP" panose="02020400000000000000" charset="-122"/>
-              <a:ea typeface="Noto Serif CJK JP" panose="02020400000000000000" charset="-122"/>
-            </a:endParaRPr>
+            <a:endParaRPr lang="en-IN"/>
           </a:p>
         </p:txBody>
       </p:sp>
@@ -4468,35 +4521,25 @@
             <p:ph idx="1"/>
           </p:nvPr>
         </p:nvSpPr>
-        <p:spPr>
-          <a:xfrm>
-            <a:off x="755576" y="1772816"/>
-            <a:ext cx="7772400" cy="4832176"/>
-          </a:xfrm>
-        </p:spPr>
+        <p:spPr/>
         <p:txBody>
           <a:bodyPr/>
           <a:lstStyle/>
           <a:p>
-            <a:endParaRPr lang="en-IN" sz="2800" dirty="0" smtClean="0"/>
-          </a:p>
-          <a:p>
-            <a:endParaRPr lang="en-IN" sz="2800" dirty="0"/>
+            <a:endParaRPr lang="en-IN"/>
           </a:p>
         </p:txBody>
       </p:sp>
     </p:spTree>
+    <p:extLst>
+      <p:ext uri="{BB962C8B-B14F-4D97-AF65-F5344CB8AC3E}">
+        <p14:creationId xmlns:p14="http://schemas.microsoft.com/office/powerpoint/2010/main" val="4278251658"/>
+      </p:ext>
+    </p:extLst>
   </p:cSld>
   <p:clrMapOvr>
     <a:masterClrMapping/>
   </p:clrMapOvr>
-  <p:timing>
-    <p:tnLst>
-      <p:par>
-        <p:cTn id="1" dur="indefinite" restart="never" nodeType="tmRoot"/>
-      </p:par>
-    </p:tnLst>
-  </p:timing>
 </p:sld>
 </file>
 
@@ -4691,6 +4734,7 @@
       </a:bgFillStyleLst>
     </a:fmtScheme>
   </a:themeElements>
+  <a:objectDefaults/>
   <a:extraClrSchemeLst>
     <a:extraClrScheme>
       <a:clrScheme name="Default Design 1">
